--- a/DsDotNet/src/UnitTest/UnitTest.Engine/ImportOffice/Sample/TEST.pptx
+++ b/DsDotNet/src/UnitTest/UnitTest.Engine/ImportOffice/Sample/TEST.pptx
@@ -227,7 +227,7 @@
           <a:p>
             <a:fld id="{DD503887-5801-43A0-AEF9-041E8DDC2558}" type="datetimeFigureOut">
               <a:rPr lang="ko-KR" altLang="en-US" smtClean="0"/>
-              <a:t>2022-12-20</a:t>
+              <a:t>2022-12-21</a:t>
             </a:fld>
             <a:endParaRPr lang="ko-KR" altLang="en-US" dirty="0"/>
           </a:p>
@@ -404,7 +404,7 @@
           <a:p>
             <a:fld id="{95336A0E-57B1-4D4C-BD9B-2F72B5943464}" type="datetimeFigureOut">
               <a:rPr lang="ko-KR" altLang="en-US" smtClean="0"/>
-              <a:t>2022-12-20</a:t>
+              <a:t>2022-12-21</a:t>
             </a:fld>
             <a:endParaRPr lang="ko-KR" altLang="en-US" dirty="0"/>
           </a:p>
@@ -902,7 +902,7 @@
           <a:p>
             <a:fld id="{229D12C7-0FF5-4972-A033-474EFFC79F40}" type="datetime1">
               <a:rPr lang="ko-KR" altLang="en-US" smtClean="0"/>
-              <a:t>2022-12-20</a:t>
+              <a:t>2022-12-21</a:t>
             </a:fld>
             <a:endParaRPr lang="ko-KR" altLang="en-US" dirty="0"/>
           </a:p>
@@ -1100,7 +1100,7 @@
           <a:p>
             <a:fld id="{5BA19FD4-B052-4F56-8FD8-EAFD078DEFB0}" type="datetime1">
               <a:rPr lang="ko-KR" altLang="en-US" smtClean="0"/>
-              <a:t>2022-12-20</a:t>
+              <a:t>2022-12-21</a:t>
             </a:fld>
             <a:endParaRPr lang="ko-KR" altLang="en-US" dirty="0"/>
           </a:p>
@@ -1308,7 +1308,7 @@
           <a:p>
             <a:fld id="{024994B9-23A6-4B0A-A038-AC140E83DAA3}" type="datetime1">
               <a:rPr lang="ko-KR" altLang="en-US" smtClean="0"/>
-              <a:t>2022-12-20</a:t>
+              <a:t>2022-12-21</a:t>
             </a:fld>
             <a:endParaRPr lang="ko-KR" altLang="en-US" dirty="0"/>
           </a:p>
@@ -1450,7 +1450,7 @@
           <a:p>
             <a:fld id="{B5B1BBC2-B738-4C35-AEE5-660EB2DEB482}" type="datetime1">
               <a:rPr lang="ko-KR" altLang="en-US" smtClean="0"/>
-              <a:t>2022-12-20</a:t>
+              <a:t>2022-12-21</a:t>
             </a:fld>
             <a:endParaRPr lang="ko-KR" altLang="en-US" dirty="0"/>
           </a:p>
@@ -6117,7 +6117,7 @@
           <a:p>
             <a:fld id="{70D0DAB2-87CB-4028-B965-3AA710ADF2CB}" type="datetime1">
               <a:rPr lang="ko-KR" altLang="en-US" smtClean="0"/>
-              <a:t>2022-12-20</a:t>
+              <a:t>2022-12-21</a:t>
             </a:fld>
             <a:endParaRPr lang="ko-KR" altLang="en-US" dirty="0"/>
           </a:p>
@@ -6392,7 +6392,7 @@
           <a:p>
             <a:fld id="{63FA3D71-FEA8-477F-9D1E-EA860F411BC7}" type="datetime1">
               <a:rPr lang="ko-KR" altLang="en-US" smtClean="0"/>
-              <a:t>2022-12-20</a:t>
+              <a:t>2022-12-21</a:t>
             </a:fld>
             <a:endParaRPr lang="ko-KR" altLang="en-US" dirty="0"/>
           </a:p>
@@ -6657,7 +6657,7 @@
           <a:p>
             <a:fld id="{F58E3EF4-7980-4C97-BA64-EC66995BB574}" type="datetime1">
               <a:rPr lang="ko-KR" altLang="en-US" smtClean="0"/>
-              <a:t>2022-12-20</a:t>
+              <a:t>2022-12-21</a:t>
             </a:fld>
             <a:endParaRPr lang="ko-KR" altLang="en-US" dirty="0"/>
           </a:p>
@@ -7069,7 +7069,7 @@
           <a:p>
             <a:fld id="{FC9BC1D0-7D6B-4634-9D19-644040D74EAE}" type="datetime1">
               <a:rPr lang="ko-KR" altLang="en-US" smtClean="0"/>
-              <a:t>2022-12-20</a:t>
+              <a:t>2022-12-21</a:t>
             </a:fld>
             <a:endParaRPr lang="ko-KR" altLang="en-US" dirty="0"/>
           </a:p>
@@ -7210,7 +7210,7 @@
           <a:p>
             <a:fld id="{B5B1BBC2-B738-4C35-AEE5-660EB2DEB482}" type="datetime1">
               <a:rPr lang="ko-KR" altLang="en-US" smtClean="0"/>
-              <a:t>2022-12-20</a:t>
+              <a:t>2022-12-21</a:t>
             </a:fld>
             <a:endParaRPr lang="ko-KR" altLang="en-US" dirty="0"/>
           </a:p>
@@ -11792,7 +11792,7 @@
           <a:p>
             <a:fld id="{C60E9F93-7E77-4F36-B88C-A425F00C8D91}" type="datetime1">
               <a:rPr lang="ko-KR" altLang="en-US" smtClean="0"/>
-              <a:t>2022-12-20</a:t>
+              <a:t>2022-12-21</a:t>
             </a:fld>
             <a:endParaRPr lang="ko-KR" altLang="en-US" dirty="0"/>
           </a:p>
@@ -12103,7 +12103,7 @@
           <a:p>
             <a:fld id="{36BCCD0E-2A54-4016-BFFC-FEAABCDA6915}" type="datetime1">
               <a:rPr lang="ko-KR" altLang="en-US" smtClean="0"/>
-              <a:t>2022-12-20</a:t>
+              <a:t>2022-12-21</a:t>
             </a:fld>
             <a:endParaRPr lang="ko-KR" altLang="en-US" dirty="0"/>
           </a:p>
@@ -12391,7 +12391,7 @@
           <a:p>
             <a:fld id="{C984B0C4-64BA-4E4C-B5E6-A51EE3F6ED95}" type="datetime1">
               <a:rPr lang="ko-KR" altLang="en-US" smtClean="0"/>
-              <a:t>2022-12-20</a:t>
+              <a:t>2022-12-21</a:t>
             </a:fld>
             <a:endParaRPr lang="ko-KR" altLang="en-US" dirty="0"/>
           </a:p>
@@ -12633,7 +12633,7 @@
           <a:p>
             <a:fld id="{C984B0C4-64BA-4E4C-B5E6-A51EE3F6ED95}" type="datetime1">
               <a:rPr lang="ko-KR" altLang="en-US" smtClean="0"/>
-              <a:t>2022-12-20</a:t>
+              <a:t>2022-12-21</a:t>
             </a:fld>
             <a:endParaRPr lang="ko-KR" altLang="en-US" dirty="0"/>
           </a:p>
@@ -15421,7 +15421,7 @@
         </p:nvSpPr>
         <p:spPr>
           <a:xfrm>
-            <a:off x="9841012" y="2347597"/>
+            <a:off x="7020174" y="475269"/>
             <a:ext cx="1772204" cy="1690778"/>
           </a:xfrm>
           <a:prstGeom prst="noSmoking">
@@ -15484,7 +15484,7 @@
         </p:nvSpPr>
         <p:spPr>
           <a:xfrm>
-            <a:off x="8384543" y="2641405"/>
+            <a:off x="7598020" y="2536077"/>
             <a:ext cx="1104181" cy="1245933"/>
           </a:xfrm>
           <a:prstGeom prst="bevel">
@@ -15539,7 +15539,7 @@
         </p:nvSpPr>
         <p:spPr>
           <a:xfrm>
-            <a:off x="6362398" y="2347597"/>
+            <a:off x="5267927" y="475269"/>
             <a:ext cx="1673524" cy="1690778"/>
           </a:xfrm>
           <a:prstGeom prst="donut">
@@ -15573,14 +15573,72 @@
           <a:p>
             <a:pPr algn="ctr"/>
             <a:r>
-              <a:rPr lang="en-US" altLang="ko-KR" dirty="0" err="1">
+              <a:rPr lang="en-US" altLang="ko-KR" dirty="0">
+                <a:solidFill>
+                  <a:schemeClr val="tx1"/>
+                </a:solidFill>
+              </a:rPr>
+              <a:t>Start1</a:t>
+            </a:r>
+            <a:endParaRPr lang="ko-KR" altLang="en-US" dirty="0">
+              <a:solidFill>
+                <a:schemeClr val="tx1"/>
+              </a:solidFill>
+            </a:endParaRPr>
+          </a:p>
+        </p:txBody>
+      </p:sp>
+      <p:sp>
+        <p:nvSpPr>
+          <p:cNvPr id="7" name="막힌 원호 6">
+            <a:extLst>
+              <a:ext uri="{FF2B5EF4-FFF2-40B4-BE49-F238E27FC236}">
+                <a16:creationId xmlns:a16="http://schemas.microsoft.com/office/drawing/2014/main" id="{EBA8504C-5A73-239C-D23F-12E7A9347EB4}"/>
+              </a:ext>
+            </a:extLst>
+          </p:cNvPr>
+          <p:cNvSpPr/>
+          <p:nvPr/>
+        </p:nvSpPr>
+        <p:spPr>
+          <a:xfrm>
+            <a:off x="5339752" y="2698614"/>
+            <a:ext cx="1949570" cy="2114925"/>
+          </a:xfrm>
+          <a:prstGeom prst="blockArc">
+            <a:avLst/>
+          </a:prstGeom>
+        </p:spPr>
+        <p:style>
+          <a:lnRef idx="2">
+            <a:schemeClr val="accent1">
+              <a:shade val="50000"/>
+            </a:schemeClr>
+          </a:lnRef>
+          <a:fillRef idx="1">
+            <a:schemeClr val="accent1"/>
+          </a:fillRef>
+          <a:effectRef idx="0">
+            <a:schemeClr val="accent1"/>
+          </a:effectRef>
+          <a:fontRef idx="minor">
+            <a:schemeClr val="lt1"/>
+          </a:fontRef>
+        </p:style>
+        <p:txBody>
+          <a:bodyPr rtlCol="0" anchor="ctr"/>
+          <a:lstStyle/>
+          <a:p>
+            <a:pPr algn="ctr"/>
+            <a:r>
+              <a:rPr lang="en-US" altLang="ko-KR">
                 <a:solidFill>
                   <a:schemeClr val="tx1"/>
                 </a:solidFill>
               </a:rPr>
               <a:t>AUTO1</a:t>
             </a:r>
-            <a:endParaRPr lang="ko-KR" altLang="en-US" dirty="0">
+            <a:endParaRPr lang="ko-KR" altLang="en-US">
               <a:solidFill>
                 <a:schemeClr val="tx1"/>
               </a:solidFill>
